--- a/调研/调研报告/会议25-07-03/会议25-07-03.pptx
+++ b/调研/调研报告/会议25-07-03/会议25-07-03.pptx
@@ -207,7 +207,7 @@
           <a:p>
             <a:fld id="{2DCC06C1-B4EC-4ED5-94B7-C8C61FC2561B}" type="datetimeFigureOut">
               <a:rPr lang="zh-CN" altLang="en-US" smtClean="0"/>
-              <a:t>2025/7/3</a:t>
+              <a:t>2025/7/4</a:t>
             </a:fld>
             <a:endParaRPr lang="zh-CN" altLang="en-US"/>
           </a:p>
@@ -11481,7 +11481,7 @@
         <p:spPr>
           <a:xfrm>
             <a:off x="879988" y="1889940"/>
-            <a:ext cx="4881715" cy="1200329"/>
+            <a:ext cx="4881715" cy="1477328"/>
           </a:xfrm>
           <a:prstGeom prst="rect">
             <a:avLst/>
@@ -11617,7 +11617,7 @@
                 <a:ea typeface="楷体" panose="02010609060101010101" pitchFamily="49" charset="-122"/>
                 <a:cs typeface="Times New Roman" panose="02020603050405020304" pitchFamily="18" charset="0"/>
               </a:rPr>
-              <a:t>所以主要对</a:t>
+              <a:t>所以先主要对</a:t>
             </a:r>
             <a:r>
               <a:rPr lang="en-US" altLang="zh-CN" dirty="0">
@@ -11633,7 +11633,38 @@
                 <a:ea typeface="楷体" panose="02010609060101010101" pitchFamily="49" charset="-122"/>
                 <a:cs typeface="Times New Roman" panose="02020603050405020304" pitchFamily="18" charset="0"/>
               </a:rPr>
-              <a:t>进行的调研。</a:t>
+              <a:t>进行的调研，</a:t>
+            </a:r>
+            <a:endParaRPr lang="en-US" altLang="zh-CN" dirty="0">
+              <a:latin typeface="Times New Roman" panose="02020603050405020304" pitchFamily="18" charset="0"/>
+              <a:ea typeface="楷体" panose="02010609060101010101" pitchFamily="49" charset="-122"/>
+              <a:cs typeface="Times New Roman" panose="02020603050405020304" pitchFamily="18" charset="0"/>
+            </a:endParaRPr>
+          </a:p>
+          <a:p>
+            <a:r>
+              <a:rPr lang="zh-CN" altLang="en-US" dirty="0">
+                <a:latin typeface="Times New Roman" panose="02020603050405020304" pitchFamily="18" charset="0"/>
+                <a:ea typeface="楷体" panose="02010609060101010101" pitchFamily="49" charset="-122"/>
+                <a:cs typeface="Times New Roman" panose="02020603050405020304" pitchFamily="18" charset="0"/>
+              </a:rPr>
+              <a:t>还未对</a:t>
+            </a:r>
+            <a:r>
+              <a:rPr lang="en-US" altLang="zh-CN" dirty="0">
+                <a:latin typeface="Times New Roman" panose="02020603050405020304" pitchFamily="18" charset="0"/>
+                <a:ea typeface="楷体" panose="02010609060101010101" pitchFamily="49" charset="-122"/>
+                <a:cs typeface="Times New Roman" panose="02020603050405020304" pitchFamily="18" charset="0"/>
+              </a:rPr>
+              <a:t>ARCore for Jetpack XR </a:t>
+            </a:r>
+            <a:r>
+              <a:rPr lang="zh-CN" altLang="en-US" dirty="0">
+                <a:latin typeface="Times New Roman" panose="02020603050405020304" pitchFamily="18" charset="0"/>
+                <a:ea typeface="楷体" panose="02010609060101010101" pitchFamily="49" charset="-122"/>
+                <a:cs typeface="Times New Roman" panose="02020603050405020304" pitchFamily="18" charset="0"/>
+              </a:rPr>
+              <a:t>作详细分析。</a:t>
             </a:r>
             <a:endParaRPr lang="zh-CN" altLang="en-US" dirty="0"/>
           </a:p>

--- a/调研/调研报告/会议25-07-03/会议25-07-03.pptx
+++ b/调研/调研报告/会议25-07-03/会议25-07-03.pptx
@@ -5,7 +5,7 @@
     <p:sldMasterId id="2147483660" r:id="rId1"/>
   </p:sldMasterIdLst>
   <p:notesMasterIdLst>
-    <p:notesMasterId r:id="rId13"/>
+    <p:notesMasterId r:id="rId14"/>
   </p:notesMasterIdLst>
   <p:sldIdLst>
     <p:sldId id="553" r:id="rId2"/>
@@ -19,6 +19,7 @@
     <p:sldId id="558" r:id="rId10"/>
     <p:sldId id="562" r:id="rId11"/>
     <p:sldId id="563" r:id="rId12"/>
+    <p:sldId id="564" r:id="rId13"/>
   </p:sldIdLst>
   <p:sldSz cx="12192000" cy="6858000"/>
   <p:notesSz cx="6858000" cy="9144000"/>
@@ -7150,7 +7151,7 @@
                 <a:ea typeface="楷体" panose="02010609060101010101" pitchFamily="49" charset="-122"/>
                 <a:cs typeface="Times New Roman" panose="02020603050405020304" pitchFamily="18" charset="0"/>
               </a:rPr>
-              <a:t>关于为什么这两个</a:t>
+              <a:t>为什么这两个</a:t>
             </a:r>
             <a:r>
               <a:rPr lang="en-US" altLang="zh-CN" sz="2000" dirty="0">
@@ -7166,7 +7167,7 @@
                 <a:ea typeface="楷体" panose="02010609060101010101" pitchFamily="49" charset="-122"/>
                 <a:cs typeface="Times New Roman" panose="02020603050405020304" pitchFamily="18" charset="0"/>
               </a:rPr>
-              <a:t>可以支持多应用同时调用的问题。</a:t>
+              <a:t>可以支持多应用同时调用</a:t>
             </a:r>
           </a:p>
         </p:txBody>
@@ -7417,7 +7418,7 @@
         </p:nvSpPr>
         <p:spPr>
           <a:xfrm>
-            <a:off x="2635047" y="5776038"/>
+            <a:off x="394767" y="5934670"/>
             <a:ext cx="10267336" cy="923330"/>
           </a:xfrm>
           <a:prstGeom prst="rect">
@@ -7731,7 +7732,7 @@
                 <a:ea typeface="楷体" panose="02010609060101010101" pitchFamily="49" charset="-122"/>
                 <a:cs typeface="Times New Roman" panose="02020603050405020304" pitchFamily="18" charset="0"/>
               </a:rPr>
-              <a:t>关于为什么这两个</a:t>
+              <a:t>为什么这两个</a:t>
             </a:r>
             <a:r>
               <a:rPr lang="en-US" altLang="zh-CN" sz="2000" dirty="0">
@@ -7747,7 +7748,7 @@
                 <a:ea typeface="楷体" panose="02010609060101010101" pitchFamily="49" charset="-122"/>
                 <a:cs typeface="Times New Roman" panose="02020603050405020304" pitchFamily="18" charset="0"/>
               </a:rPr>
-              <a:t>可以支持多应用同时调用的问题。</a:t>
+              <a:t>可以支持多应用同时调用</a:t>
             </a:r>
           </a:p>
         </p:txBody>
@@ -7866,7 +7867,7 @@
         </p:nvSpPr>
         <p:spPr>
           <a:xfrm>
-            <a:off x="2635047" y="5776038"/>
+            <a:off x="329746" y="5900909"/>
             <a:ext cx="10267336" cy="923330"/>
           </a:xfrm>
           <a:prstGeom prst="rect">
@@ -8042,6 +8043,726 @@
     <p:extLst>
       <p:ext uri="{BB962C8B-B14F-4D97-AF65-F5344CB8AC3E}">
         <p14:creationId xmlns:p14="http://schemas.microsoft.com/office/powerpoint/2010/main" val="4174270751"/>
+      </p:ext>
+    </p:extLst>
+  </p:cSld>
+  <p:clrMapOvr>
+    <a:masterClrMapping/>
+  </p:clrMapOvr>
+</p:sld>
+</file>
+
+<file path=ppt/slides/slide12.xml><?xml version="1.0" encoding="utf-8"?>
+<p:sld xmlns:a="http://schemas.openxmlformats.org/drawingml/2006/main" xmlns:r="http://schemas.openxmlformats.org/officeDocument/2006/relationships" xmlns:p="http://schemas.openxmlformats.org/presentationml/2006/main">
+  <p:cSld>
+    <p:spTree>
+      <p:nvGrpSpPr>
+        <p:cNvPr id="1" name=""/>
+        <p:cNvGrpSpPr/>
+        <p:nvPr/>
+      </p:nvGrpSpPr>
+      <p:grpSpPr>
+        <a:xfrm>
+          <a:off x="0" y="0"/>
+          <a:ext cx="0" cy="0"/>
+          <a:chOff x="0" y="0"/>
+          <a:chExt cx="0" cy="0"/>
+        </a:xfrm>
+      </p:grpSpPr>
+      <p:sp>
+        <p:nvSpPr>
+          <p:cNvPr id="4" name="文本框 3">
+            <a:extLst>
+              <a:ext uri="{FF2B5EF4-FFF2-40B4-BE49-F238E27FC236}">
+                <a16:creationId xmlns:a16="http://schemas.microsoft.com/office/drawing/2014/main" id="{CCF9E257-9902-BFF7-4A98-729B8F3E0F68}"/>
+              </a:ext>
+            </a:extLst>
+          </p:cNvPr>
+          <p:cNvSpPr txBox="1"/>
+          <p:nvPr/>
+        </p:nvSpPr>
+        <p:spPr>
+          <a:xfrm>
+            <a:off x="2874154" y="158632"/>
+            <a:ext cx="6443691" cy="400110"/>
+          </a:xfrm>
+          <a:prstGeom prst="rect">
+            <a:avLst/>
+          </a:prstGeom>
+          <a:noFill/>
+        </p:spPr>
+        <p:txBody>
+          <a:bodyPr wrap="square" rtlCol="0">
+            <a:spAutoFit/>
+          </a:bodyPr>
+          <a:lstStyle/>
+          <a:p>
+            <a:r>
+              <a:rPr lang="en-US" altLang="zh-CN" sz="2000" dirty="0">
+                <a:latin typeface="Times New Roman" panose="02020603050405020304" pitchFamily="18" charset="0"/>
+                <a:ea typeface="楷体" panose="02010609060101010101" pitchFamily="49" charset="-122"/>
+                <a:cs typeface="Times New Roman" panose="02020603050405020304" pitchFamily="18" charset="0"/>
+              </a:rPr>
+              <a:t>Sample</a:t>
+            </a:r>
+            <a:r>
+              <a:rPr lang="zh-CN" altLang="en-US" sz="2000" dirty="0">
+                <a:latin typeface="Times New Roman" panose="02020603050405020304" pitchFamily="18" charset="0"/>
+                <a:ea typeface="楷体" panose="02010609060101010101" pitchFamily="49" charset="-122"/>
+                <a:cs typeface="Times New Roman" panose="02020603050405020304" pitchFamily="18" charset="0"/>
+              </a:rPr>
+              <a:t>开发进展</a:t>
+            </a:r>
+          </a:p>
+        </p:txBody>
+      </p:sp>
+      <p:pic>
+        <p:nvPicPr>
+          <p:cNvPr id="13" name="图片 12">
+            <a:extLst>
+              <a:ext uri="{FF2B5EF4-FFF2-40B4-BE49-F238E27FC236}">
+                <a16:creationId xmlns:a16="http://schemas.microsoft.com/office/drawing/2014/main" id="{C078F661-C243-4311-A3DF-88FD626DD806}"/>
+              </a:ext>
+            </a:extLst>
+          </p:cNvPr>
+          <p:cNvPicPr>
+            <a:picLocks noChangeAspect="1"/>
+          </p:cNvPicPr>
+          <p:nvPr/>
+        </p:nvPicPr>
+        <p:blipFill>
+          <a:blip r:embed="rId2"/>
+          <a:stretch>
+            <a:fillRect/>
+          </a:stretch>
+        </p:blipFill>
+        <p:spPr>
+          <a:xfrm>
+            <a:off x="969831" y="1478646"/>
+            <a:ext cx="417506" cy="400110"/>
+          </a:xfrm>
+          <a:prstGeom prst="rect">
+            <a:avLst/>
+          </a:prstGeom>
+        </p:spPr>
+      </p:pic>
+      <p:sp>
+        <p:nvSpPr>
+          <p:cNvPr id="14" name="文本框 13">
+            <a:extLst>
+              <a:ext uri="{FF2B5EF4-FFF2-40B4-BE49-F238E27FC236}">
+                <a16:creationId xmlns:a16="http://schemas.microsoft.com/office/drawing/2014/main" id="{C1C49642-DC4F-9D4D-2919-397E86EAD932}"/>
+              </a:ext>
+            </a:extLst>
+          </p:cNvPr>
+          <p:cNvSpPr txBox="1"/>
+          <p:nvPr/>
+        </p:nvSpPr>
+        <p:spPr>
+          <a:xfrm>
+            <a:off x="1498133" y="1478646"/>
+            <a:ext cx="4493274" cy="400110"/>
+          </a:xfrm>
+          <a:prstGeom prst="rect">
+            <a:avLst/>
+          </a:prstGeom>
+          <a:noFill/>
+        </p:spPr>
+        <p:txBody>
+          <a:bodyPr wrap="square" rtlCol="0">
+            <a:spAutoFit/>
+          </a:bodyPr>
+          <a:lstStyle/>
+          <a:p>
+            <a:r>
+              <a:rPr lang="en-US" altLang="zh-CN" sz="2000" dirty="0">
+                <a:latin typeface="Times New Roman" panose="02020603050405020304" pitchFamily="18" charset="0"/>
+                <a:ea typeface="楷体" panose="02010609060101010101" pitchFamily="49" charset="-122"/>
+                <a:cs typeface="Times New Roman" panose="02020603050405020304" pitchFamily="18" charset="0"/>
+              </a:rPr>
+              <a:t>1. HMOS APP </a:t>
+            </a:r>
+            <a:r>
+              <a:rPr lang="zh-CN" altLang="en-US" sz="2000" dirty="0">
+                <a:latin typeface="Times New Roman" panose="02020603050405020304" pitchFamily="18" charset="0"/>
+                <a:ea typeface="楷体" panose="02010609060101010101" pitchFamily="49" charset="-122"/>
+                <a:cs typeface="Times New Roman" panose="02020603050405020304" pitchFamily="18" charset="0"/>
+              </a:rPr>
+              <a:t>开发熟悉情况</a:t>
+            </a:r>
+          </a:p>
+        </p:txBody>
+      </p:sp>
+      <p:sp>
+        <p:nvSpPr>
+          <p:cNvPr id="15" name="文本框 14">
+            <a:extLst>
+              <a:ext uri="{FF2B5EF4-FFF2-40B4-BE49-F238E27FC236}">
+                <a16:creationId xmlns:a16="http://schemas.microsoft.com/office/drawing/2014/main" id="{CC5FFB31-8F3C-F731-273F-FC6D1E50DA0C}"/>
+              </a:ext>
+            </a:extLst>
+          </p:cNvPr>
+          <p:cNvSpPr txBox="1"/>
+          <p:nvPr/>
+        </p:nvSpPr>
+        <p:spPr>
+          <a:xfrm>
+            <a:off x="1490943" y="3659231"/>
+            <a:ext cx="3110554" cy="400110"/>
+          </a:xfrm>
+          <a:prstGeom prst="rect">
+            <a:avLst/>
+          </a:prstGeom>
+          <a:noFill/>
+        </p:spPr>
+        <p:txBody>
+          <a:bodyPr wrap="square" rtlCol="0">
+            <a:spAutoFit/>
+          </a:bodyPr>
+          <a:lstStyle/>
+          <a:p>
+            <a:r>
+              <a:rPr lang="en-US" altLang="zh-CN" sz="2000" dirty="0">
+                <a:latin typeface="Times New Roman" panose="02020603050405020304" pitchFamily="18" charset="0"/>
+                <a:ea typeface="楷体" panose="02010609060101010101" pitchFamily="49" charset="-122"/>
+                <a:cs typeface="Times New Roman" panose="02020603050405020304" pitchFamily="18" charset="0"/>
+              </a:rPr>
+              <a:t>3. </a:t>
+            </a:r>
+            <a:r>
+              <a:rPr lang="zh-CN" altLang="en-US" sz="2000" dirty="0">
+                <a:latin typeface="Times New Roman" panose="02020603050405020304" pitchFamily="18" charset="0"/>
+                <a:ea typeface="楷体" panose="02010609060101010101" pitchFamily="49" charset="-122"/>
+                <a:cs typeface="Times New Roman" panose="02020603050405020304" pitchFamily="18" charset="0"/>
+              </a:rPr>
+              <a:t>二三阶段测试</a:t>
+            </a:r>
+            <a:r>
+              <a:rPr lang="en-US" altLang="zh-CN" sz="2000" dirty="0">
+                <a:latin typeface="Times New Roman" panose="02020603050405020304" pitchFamily="18" charset="0"/>
+                <a:ea typeface="楷体" panose="02010609060101010101" pitchFamily="49" charset="-122"/>
+                <a:cs typeface="Times New Roman" panose="02020603050405020304" pitchFamily="18" charset="0"/>
+              </a:rPr>
+              <a:t>DEMO</a:t>
+            </a:r>
+            <a:endParaRPr lang="zh-CN" altLang="en-US" sz="2000" dirty="0">
+              <a:latin typeface="Times New Roman" panose="02020603050405020304" pitchFamily="18" charset="0"/>
+              <a:ea typeface="楷体" panose="02010609060101010101" pitchFamily="49" charset="-122"/>
+              <a:cs typeface="Times New Roman" panose="02020603050405020304" pitchFamily="18" charset="0"/>
+            </a:endParaRPr>
+          </a:p>
+        </p:txBody>
+      </p:sp>
+      <p:pic>
+        <p:nvPicPr>
+          <p:cNvPr id="16" name="图片 15">
+            <a:extLst>
+              <a:ext uri="{FF2B5EF4-FFF2-40B4-BE49-F238E27FC236}">
+                <a16:creationId xmlns:a16="http://schemas.microsoft.com/office/drawing/2014/main" id="{53AA9A21-2AF8-72BF-5CA2-5B03668A6C75}"/>
+              </a:ext>
+            </a:extLst>
+          </p:cNvPr>
+          <p:cNvPicPr>
+            <a:picLocks noChangeAspect="1"/>
+          </p:cNvPicPr>
+          <p:nvPr/>
+        </p:nvPicPr>
+        <p:blipFill>
+          <a:blip r:embed="rId2"/>
+          <a:stretch>
+            <a:fillRect/>
+          </a:stretch>
+        </p:blipFill>
+        <p:spPr>
+          <a:xfrm>
+            <a:off x="962640" y="3659231"/>
+            <a:ext cx="417506" cy="400110"/>
+          </a:xfrm>
+          <a:prstGeom prst="rect">
+            <a:avLst/>
+          </a:prstGeom>
+        </p:spPr>
+      </p:pic>
+      <p:sp>
+        <p:nvSpPr>
+          <p:cNvPr id="17" name="文本框 16">
+            <a:extLst>
+              <a:ext uri="{FF2B5EF4-FFF2-40B4-BE49-F238E27FC236}">
+                <a16:creationId xmlns:a16="http://schemas.microsoft.com/office/drawing/2014/main" id="{984C672A-D233-4F6E-1900-084B02FD45F0}"/>
+              </a:ext>
+            </a:extLst>
+          </p:cNvPr>
+          <p:cNvSpPr txBox="1"/>
+          <p:nvPr/>
+        </p:nvSpPr>
+        <p:spPr>
+          <a:xfrm>
+            <a:off x="1490943" y="2398550"/>
+            <a:ext cx="4079032" cy="400110"/>
+          </a:xfrm>
+          <a:prstGeom prst="rect">
+            <a:avLst/>
+          </a:prstGeom>
+          <a:noFill/>
+        </p:spPr>
+        <p:txBody>
+          <a:bodyPr wrap="square" rtlCol="0">
+            <a:spAutoFit/>
+          </a:bodyPr>
+          <a:lstStyle/>
+          <a:p>
+            <a:r>
+              <a:rPr lang="en-US" altLang="zh-CN" sz="2000" dirty="0">
+                <a:latin typeface="Times New Roman" panose="02020603050405020304" pitchFamily="18" charset="0"/>
+                <a:ea typeface="楷体" panose="02010609060101010101" pitchFamily="49" charset="-122"/>
+                <a:cs typeface="Times New Roman" panose="02020603050405020304" pitchFamily="18" charset="0"/>
+              </a:rPr>
+              <a:t>2. AR Sample</a:t>
+            </a:r>
+            <a:r>
+              <a:rPr lang="zh-CN" altLang="en-US" sz="2000" dirty="0">
+                <a:latin typeface="Times New Roman" panose="02020603050405020304" pitchFamily="18" charset="0"/>
+                <a:ea typeface="楷体" panose="02010609060101010101" pitchFamily="49" charset="-122"/>
+                <a:cs typeface="Times New Roman" panose="02020603050405020304" pitchFamily="18" charset="0"/>
+              </a:rPr>
+              <a:t>整体分析和改写</a:t>
+            </a:r>
+          </a:p>
+        </p:txBody>
+      </p:sp>
+      <p:pic>
+        <p:nvPicPr>
+          <p:cNvPr id="18" name="图片 17">
+            <a:extLst>
+              <a:ext uri="{FF2B5EF4-FFF2-40B4-BE49-F238E27FC236}">
+                <a16:creationId xmlns:a16="http://schemas.microsoft.com/office/drawing/2014/main" id="{1CF40101-C9DC-7179-056A-6872B6A8DA6F}"/>
+              </a:ext>
+            </a:extLst>
+          </p:cNvPr>
+          <p:cNvPicPr>
+            <a:picLocks noChangeAspect="1"/>
+          </p:cNvPicPr>
+          <p:nvPr/>
+        </p:nvPicPr>
+        <p:blipFill>
+          <a:blip r:embed="rId2"/>
+          <a:stretch>
+            <a:fillRect/>
+          </a:stretch>
+        </p:blipFill>
+        <p:spPr>
+          <a:xfrm>
+            <a:off x="962640" y="2353795"/>
+            <a:ext cx="417506" cy="400110"/>
+          </a:xfrm>
+          <a:prstGeom prst="rect">
+            <a:avLst/>
+          </a:prstGeom>
+        </p:spPr>
+      </p:pic>
+      <p:sp>
+        <p:nvSpPr>
+          <p:cNvPr id="23" name="文本框 22">
+            <a:extLst>
+              <a:ext uri="{FF2B5EF4-FFF2-40B4-BE49-F238E27FC236}">
+                <a16:creationId xmlns:a16="http://schemas.microsoft.com/office/drawing/2014/main" id="{96625682-89BF-6BF6-839B-D4283D21AA08}"/>
+              </a:ext>
+            </a:extLst>
+          </p:cNvPr>
+          <p:cNvSpPr txBox="1"/>
+          <p:nvPr/>
+        </p:nvSpPr>
+        <p:spPr>
+          <a:xfrm>
+            <a:off x="5251564" y="1908931"/>
+            <a:ext cx="3868497" cy="400110"/>
+          </a:xfrm>
+          <a:prstGeom prst="rect">
+            <a:avLst/>
+          </a:prstGeom>
+          <a:noFill/>
+        </p:spPr>
+        <p:txBody>
+          <a:bodyPr wrap="square" rtlCol="0">
+            <a:spAutoFit/>
+          </a:bodyPr>
+          <a:lstStyle/>
+          <a:p>
+            <a:r>
+              <a:rPr lang="en-US" altLang="zh-CN" sz="2000" dirty="0">
+                <a:latin typeface="Times New Roman" panose="02020603050405020304" pitchFamily="18" charset="0"/>
+                <a:ea typeface="楷体" panose="02010609060101010101" pitchFamily="49" charset="-122"/>
+                <a:cs typeface="Times New Roman" panose="02020603050405020304" pitchFamily="18" charset="0"/>
+              </a:rPr>
+              <a:t>(2)</a:t>
+            </a:r>
+            <a:r>
+              <a:rPr lang="zh-CN" altLang="en-US" sz="2000" dirty="0">
+                <a:latin typeface="Times New Roman" panose="02020603050405020304" pitchFamily="18" charset="0"/>
+                <a:ea typeface="楷体" panose="02010609060101010101" pitchFamily="49" charset="-122"/>
+                <a:cs typeface="Times New Roman" panose="02020603050405020304" pitchFamily="18" charset="0"/>
+              </a:rPr>
+              <a:t>编写了几个简单的</a:t>
+            </a:r>
+            <a:r>
+              <a:rPr lang="en-US" altLang="zh-CN" sz="2000" dirty="0" err="1">
+                <a:latin typeface="Times New Roman" panose="02020603050405020304" pitchFamily="18" charset="0"/>
+                <a:ea typeface="楷体" panose="02010609060101010101" pitchFamily="49" charset="-122"/>
+                <a:cs typeface="Times New Roman" panose="02020603050405020304" pitchFamily="18" charset="0"/>
+              </a:rPr>
+              <a:t>ArkTS</a:t>
+            </a:r>
+            <a:r>
+              <a:rPr lang="zh-CN" altLang="en-US" sz="2000" dirty="0">
+                <a:latin typeface="Times New Roman" panose="02020603050405020304" pitchFamily="18" charset="0"/>
+                <a:ea typeface="楷体" panose="02010609060101010101" pitchFamily="49" charset="-122"/>
+                <a:cs typeface="Times New Roman" panose="02020603050405020304" pitchFamily="18" charset="0"/>
+              </a:rPr>
+              <a:t>应用</a:t>
+            </a:r>
+            <a:endParaRPr lang="en-US" altLang="zh-CN" sz="2000" dirty="0">
+              <a:latin typeface="Times New Roman" panose="02020603050405020304" pitchFamily="18" charset="0"/>
+              <a:ea typeface="楷体" panose="02010609060101010101" pitchFamily="49" charset="-122"/>
+              <a:cs typeface="Times New Roman" panose="02020603050405020304" pitchFamily="18" charset="0"/>
+            </a:endParaRPr>
+          </a:p>
+        </p:txBody>
+      </p:sp>
+      <p:sp>
+        <p:nvSpPr>
+          <p:cNvPr id="25" name="文本框 24">
+            <a:extLst>
+              <a:ext uri="{FF2B5EF4-FFF2-40B4-BE49-F238E27FC236}">
+                <a16:creationId xmlns:a16="http://schemas.microsoft.com/office/drawing/2014/main" id="{66DED382-C9F5-4ABF-C130-F2EF8EDC86CB}"/>
+              </a:ext>
+            </a:extLst>
+          </p:cNvPr>
+          <p:cNvSpPr txBox="1"/>
+          <p:nvPr/>
+        </p:nvSpPr>
+        <p:spPr>
+          <a:xfrm>
+            <a:off x="5251564" y="1478646"/>
+            <a:ext cx="4066281" cy="400110"/>
+          </a:xfrm>
+          <a:prstGeom prst="rect">
+            <a:avLst/>
+          </a:prstGeom>
+          <a:noFill/>
+        </p:spPr>
+        <p:txBody>
+          <a:bodyPr wrap="square" rtlCol="0">
+            <a:spAutoFit/>
+          </a:bodyPr>
+          <a:lstStyle/>
+          <a:p>
+            <a:r>
+              <a:rPr lang="en-US" altLang="zh-CN" sz="2000" dirty="0">
+                <a:latin typeface="Times New Roman" panose="02020603050405020304" pitchFamily="18" charset="0"/>
+                <a:ea typeface="楷体" panose="02010609060101010101" pitchFamily="49" charset="-122"/>
+                <a:cs typeface="Times New Roman" panose="02020603050405020304" pitchFamily="18" charset="0"/>
+              </a:rPr>
+              <a:t>(1) </a:t>
+            </a:r>
+            <a:r>
+              <a:rPr lang="zh-CN" altLang="en-US" sz="2000" dirty="0">
+                <a:latin typeface="Times New Roman" panose="02020603050405020304" pitchFamily="18" charset="0"/>
+                <a:ea typeface="楷体" panose="02010609060101010101" pitchFamily="49" charset="-122"/>
+                <a:cs typeface="Times New Roman" panose="02020603050405020304" pitchFamily="18" charset="0"/>
+              </a:rPr>
+              <a:t>应用程序包结构</a:t>
+            </a:r>
+          </a:p>
+        </p:txBody>
+      </p:sp>
+      <p:sp>
+        <p:nvSpPr>
+          <p:cNvPr id="26" name="文本框 25">
+            <a:extLst>
+              <a:ext uri="{FF2B5EF4-FFF2-40B4-BE49-F238E27FC236}">
+                <a16:creationId xmlns:a16="http://schemas.microsoft.com/office/drawing/2014/main" id="{BCFD49A4-4ACA-8504-EBFF-30277507691F}"/>
+              </a:ext>
+            </a:extLst>
+          </p:cNvPr>
+          <p:cNvSpPr txBox="1"/>
+          <p:nvPr/>
+        </p:nvSpPr>
+        <p:spPr>
+          <a:xfrm>
+            <a:off x="5251563" y="2422648"/>
+            <a:ext cx="4066281" cy="1015663"/>
+          </a:xfrm>
+          <a:prstGeom prst="rect">
+            <a:avLst/>
+          </a:prstGeom>
+          <a:noFill/>
+        </p:spPr>
+        <p:txBody>
+          <a:bodyPr wrap="square" rtlCol="0">
+            <a:spAutoFit/>
+          </a:bodyPr>
+          <a:lstStyle/>
+          <a:p>
+            <a:r>
+              <a:rPr lang="zh-CN" altLang="en-US" sz="2000" dirty="0">
+                <a:latin typeface="Times New Roman" panose="02020603050405020304" pitchFamily="18" charset="0"/>
+                <a:ea typeface="楷体" panose="02010609060101010101" pitchFamily="49" charset="-122"/>
+                <a:cs typeface="Times New Roman" panose="02020603050405020304" pitchFamily="18" charset="0"/>
+              </a:rPr>
+              <a:t>目前在分析整理调用 </a:t>
+            </a:r>
+            <a:r>
+              <a:rPr lang="en-US" altLang="zh-CN" sz="2000" dirty="0">
+                <a:latin typeface="Times New Roman" panose="02020603050405020304" pitchFamily="18" charset="0"/>
+                <a:ea typeface="楷体" panose="02010609060101010101" pitchFamily="49" charset="-122"/>
+                <a:cs typeface="Times New Roman" panose="02020603050405020304" pitchFamily="18" charset="0"/>
+              </a:rPr>
+              <a:t>AREngine </a:t>
+            </a:r>
+            <a:r>
+              <a:rPr lang="zh-CN" altLang="en-US" sz="2000" dirty="0">
+                <a:latin typeface="Times New Roman" panose="02020603050405020304" pitchFamily="18" charset="0"/>
+                <a:ea typeface="楷体" panose="02010609060101010101" pitchFamily="49" charset="-122"/>
+                <a:cs typeface="Times New Roman" panose="02020603050405020304" pitchFamily="18" charset="0"/>
+              </a:rPr>
+              <a:t>获取数据、使用数据进行渲染的代码结构。</a:t>
+            </a:r>
+          </a:p>
+        </p:txBody>
+      </p:sp>
+      <p:sp>
+        <p:nvSpPr>
+          <p:cNvPr id="27" name="文本框 26">
+            <a:extLst>
+              <a:ext uri="{FF2B5EF4-FFF2-40B4-BE49-F238E27FC236}">
+                <a16:creationId xmlns:a16="http://schemas.microsoft.com/office/drawing/2014/main" id="{46C9F0CD-7804-3268-B5AC-DC815B509D6F}"/>
+              </a:ext>
+            </a:extLst>
+          </p:cNvPr>
+          <p:cNvSpPr txBox="1"/>
+          <p:nvPr/>
+        </p:nvSpPr>
+        <p:spPr>
+          <a:xfrm>
+            <a:off x="5251563" y="3659231"/>
+            <a:ext cx="4066281" cy="400110"/>
+          </a:xfrm>
+          <a:prstGeom prst="rect">
+            <a:avLst/>
+          </a:prstGeom>
+          <a:noFill/>
+        </p:spPr>
+        <p:txBody>
+          <a:bodyPr wrap="square" rtlCol="0">
+            <a:spAutoFit/>
+          </a:bodyPr>
+          <a:lstStyle/>
+          <a:p>
+            <a:r>
+              <a:rPr lang="zh-CN" altLang="en-US" sz="2000" dirty="0">
+                <a:latin typeface="Times New Roman" panose="02020603050405020304" pitchFamily="18" charset="0"/>
+                <a:ea typeface="楷体" panose="02010609060101010101" pitchFamily="49" charset="-122"/>
+                <a:cs typeface="Times New Roman" panose="02020603050405020304" pitchFamily="18" charset="0"/>
+              </a:rPr>
+              <a:t>还没有进行具体的设计</a:t>
+            </a:r>
+          </a:p>
+        </p:txBody>
+      </p:sp>
+      <p:sp>
+        <p:nvSpPr>
+          <p:cNvPr id="28" name="文本框 27">
+            <a:extLst>
+              <a:ext uri="{FF2B5EF4-FFF2-40B4-BE49-F238E27FC236}">
+                <a16:creationId xmlns:a16="http://schemas.microsoft.com/office/drawing/2014/main" id="{743FB37A-3B50-508D-91E7-2B28A75FF35D}"/>
+              </a:ext>
+            </a:extLst>
+          </p:cNvPr>
+          <p:cNvSpPr txBox="1"/>
+          <p:nvPr/>
+        </p:nvSpPr>
+        <p:spPr>
+          <a:xfrm>
+            <a:off x="1551825" y="4579135"/>
+            <a:ext cx="3110554" cy="400110"/>
+          </a:xfrm>
+          <a:prstGeom prst="rect">
+            <a:avLst/>
+          </a:prstGeom>
+          <a:noFill/>
+        </p:spPr>
+        <p:txBody>
+          <a:bodyPr wrap="square" rtlCol="0">
+            <a:spAutoFit/>
+          </a:bodyPr>
+          <a:lstStyle/>
+          <a:p>
+            <a:r>
+              <a:rPr lang="en-US" altLang="zh-CN" sz="2000" dirty="0">
+                <a:latin typeface="Times New Roman" panose="02020603050405020304" pitchFamily="18" charset="0"/>
+                <a:ea typeface="楷体" panose="02010609060101010101" pitchFamily="49" charset="-122"/>
+                <a:cs typeface="Times New Roman" panose="02020603050405020304" pitchFamily="18" charset="0"/>
+              </a:rPr>
+              <a:t>4. </a:t>
+            </a:r>
+            <a:r>
+              <a:rPr lang="zh-CN" altLang="en-US" sz="2000" dirty="0">
+                <a:latin typeface="Times New Roman" panose="02020603050405020304" pitchFamily="18" charset="0"/>
+                <a:ea typeface="楷体" panose="02010609060101010101" pitchFamily="49" charset="-122"/>
+                <a:cs typeface="Times New Roman" panose="02020603050405020304" pitchFamily="18" charset="0"/>
+              </a:rPr>
+              <a:t>问题</a:t>
+            </a:r>
+          </a:p>
+        </p:txBody>
+      </p:sp>
+      <p:pic>
+        <p:nvPicPr>
+          <p:cNvPr id="29" name="图片 28">
+            <a:extLst>
+              <a:ext uri="{FF2B5EF4-FFF2-40B4-BE49-F238E27FC236}">
+                <a16:creationId xmlns:a16="http://schemas.microsoft.com/office/drawing/2014/main" id="{4B11DDA4-E66C-BCAE-0ED2-591F471E81BD}"/>
+              </a:ext>
+            </a:extLst>
+          </p:cNvPr>
+          <p:cNvPicPr>
+            <a:picLocks noChangeAspect="1"/>
+          </p:cNvPicPr>
+          <p:nvPr/>
+        </p:nvPicPr>
+        <p:blipFill>
+          <a:blip r:embed="rId2"/>
+          <a:stretch>
+            <a:fillRect/>
+          </a:stretch>
+        </p:blipFill>
+        <p:spPr>
+          <a:xfrm>
+            <a:off x="1023522" y="4579135"/>
+            <a:ext cx="417506" cy="400110"/>
+          </a:xfrm>
+          <a:prstGeom prst="rect">
+            <a:avLst/>
+          </a:prstGeom>
+        </p:spPr>
+      </p:pic>
+      <p:sp>
+        <p:nvSpPr>
+          <p:cNvPr id="30" name="文本框 29">
+            <a:extLst>
+              <a:ext uri="{FF2B5EF4-FFF2-40B4-BE49-F238E27FC236}">
+                <a16:creationId xmlns:a16="http://schemas.microsoft.com/office/drawing/2014/main" id="{7A6C866C-46D9-66F0-0C45-556D3A62278F}"/>
+              </a:ext>
+            </a:extLst>
+          </p:cNvPr>
+          <p:cNvSpPr txBox="1"/>
+          <p:nvPr/>
+        </p:nvSpPr>
+        <p:spPr>
+          <a:xfrm>
+            <a:off x="5251563" y="4563746"/>
+            <a:ext cx="4066281" cy="1631216"/>
+          </a:xfrm>
+          <a:prstGeom prst="rect">
+            <a:avLst/>
+          </a:prstGeom>
+          <a:noFill/>
+        </p:spPr>
+        <p:txBody>
+          <a:bodyPr wrap="square" rtlCol="0">
+            <a:spAutoFit/>
+          </a:bodyPr>
+          <a:lstStyle/>
+          <a:p>
+            <a:r>
+              <a:rPr lang="en-US" altLang="zh-CN" sz="2000" dirty="0">
+                <a:latin typeface="Times New Roman" panose="02020603050405020304" pitchFamily="18" charset="0"/>
+                <a:ea typeface="楷体" panose="02010609060101010101" pitchFamily="49" charset="-122"/>
+                <a:cs typeface="Times New Roman" panose="02020603050405020304" pitchFamily="18" charset="0"/>
+              </a:rPr>
+              <a:t>(1)</a:t>
+            </a:r>
+            <a:r>
+              <a:rPr lang="zh-CN" altLang="en-US" sz="2000" dirty="0">
+                <a:latin typeface="Times New Roman" panose="02020603050405020304" pitchFamily="18" charset="0"/>
+                <a:ea typeface="楷体" panose="02010609060101010101" pitchFamily="49" charset="-122"/>
+                <a:cs typeface="Times New Roman" panose="02020603050405020304" pitchFamily="18" charset="0"/>
+              </a:rPr>
+              <a:t>对渲染部分代码的要求，使用</a:t>
+            </a:r>
+            <a:r>
+              <a:rPr lang="en-US" altLang="zh-CN" sz="2000" dirty="0" err="1">
+                <a:latin typeface="Times New Roman" panose="02020603050405020304" pitchFamily="18" charset="0"/>
+                <a:ea typeface="楷体" panose="02010609060101010101" pitchFamily="49" charset="-122"/>
+                <a:cs typeface="Times New Roman" panose="02020603050405020304" pitchFamily="18" charset="0"/>
+              </a:rPr>
+              <a:t>ARSample</a:t>
+            </a:r>
+            <a:r>
+              <a:rPr lang="zh-CN" altLang="en-US" sz="2000" dirty="0">
+                <a:latin typeface="Times New Roman" panose="02020603050405020304" pitchFamily="18" charset="0"/>
+                <a:ea typeface="楷体" panose="02010609060101010101" pitchFamily="49" charset="-122"/>
+                <a:cs typeface="Times New Roman" panose="02020603050405020304" pitchFamily="18" charset="0"/>
+              </a:rPr>
+              <a:t>原有渲染代码、还是其它方式，鸿蒙</a:t>
+            </a:r>
+            <a:r>
+              <a:rPr lang="en-US" altLang="zh-CN" sz="2000" dirty="0" err="1">
+                <a:latin typeface="Times New Roman" panose="02020603050405020304" pitchFamily="18" charset="0"/>
+                <a:ea typeface="楷体" panose="02010609060101010101" pitchFamily="49" charset="-122"/>
+                <a:cs typeface="Times New Roman" panose="02020603050405020304" pitchFamily="18" charset="0"/>
+              </a:rPr>
+              <a:t>SceneKit</a:t>
+            </a:r>
+            <a:r>
+              <a:rPr lang="en-US" altLang="zh-CN" sz="2000" dirty="0">
+                <a:latin typeface="Times New Roman" panose="02020603050405020304" pitchFamily="18" charset="0"/>
+                <a:ea typeface="楷体" panose="02010609060101010101" pitchFamily="49" charset="-122"/>
+                <a:cs typeface="Times New Roman" panose="02020603050405020304" pitchFamily="18" charset="0"/>
+              </a:rPr>
+              <a:t>?</a:t>
+            </a:r>
+          </a:p>
+          <a:p>
+            <a:r>
+              <a:rPr lang="en-US" altLang="zh-CN" sz="2000" dirty="0">
+                <a:latin typeface="Times New Roman" panose="02020603050405020304" pitchFamily="18" charset="0"/>
+                <a:ea typeface="楷体" panose="02010609060101010101" pitchFamily="49" charset="-122"/>
+                <a:cs typeface="Times New Roman" panose="02020603050405020304" pitchFamily="18" charset="0"/>
+              </a:rPr>
+              <a:t>(2)</a:t>
+            </a:r>
+            <a:r>
+              <a:rPr lang="zh-CN" altLang="en-US" sz="2000" dirty="0">
+                <a:latin typeface="Times New Roman" panose="02020603050405020304" pitchFamily="18" charset="0"/>
+                <a:ea typeface="楷体" panose="02010609060101010101" pitchFamily="49" charset="-122"/>
+                <a:cs typeface="Times New Roman" panose="02020603050405020304" pitchFamily="18" charset="0"/>
+              </a:rPr>
+              <a:t> 想了解下对两个阶段的测试</a:t>
+            </a:r>
+            <a:r>
+              <a:rPr lang="en-US" altLang="zh-CN" sz="2000" dirty="0">
+                <a:latin typeface="Times New Roman" panose="02020603050405020304" pitchFamily="18" charset="0"/>
+                <a:ea typeface="楷体" panose="02010609060101010101" pitchFamily="49" charset="-122"/>
+                <a:cs typeface="Times New Roman" panose="02020603050405020304" pitchFamily="18" charset="0"/>
+              </a:rPr>
+              <a:t>DEMO</a:t>
+            </a:r>
+            <a:r>
+              <a:rPr lang="zh-CN" altLang="en-US" sz="2000" dirty="0">
+                <a:latin typeface="Times New Roman" panose="02020603050405020304" pitchFamily="18" charset="0"/>
+                <a:ea typeface="楷体" panose="02010609060101010101" pitchFamily="49" charset="-122"/>
+                <a:cs typeface="Times New Roman" panose="02020603050405020304" pitchFamily="18" charset="0"/>
+              </a:rPr>
+              <a:t>功能或者效果的要求</a:t>
+            </a:r>
+          </a:p>
+        </p:txBody>
+      </p:sp>
+    </p:spTree>
+    <p:extLst>
+      <p:ext uri="{BB962C8B-B14F-4D97-AF65-F5344CB8AC3E}">
+        <p14:creationId xmlns:p14="http://schemas.microsoft.com/office/powerpoint/2010/main" val="2753153094"/>
       </p:ext>
     </p:extLst>
   </p:cSld>
